--- a/Effects of Income Level on Disease Rates.pptx
+++ b/Effects of Income Level on Disease Rates.pptx
@@ -127,7 +127,7 @@
 <file path=ppt/revisionInfo.xml><?xml version="1.0" encoding="utf-8"?>
 <p1510:revInfo xmlns:a="http://schemas.openxmlformats.org/drawingml/2006/main" xmlns:r="http://schemas.openxmlformats.org/officeDocument/2006/relationships" xmlns:p1510="http://schemas.microsoft.com/office/powerpoint/2015/10/main">
   <p1510:revLst>
-    <p1510:client id="{A5240D3A-EC8A-4DEB-A2A3-7783ADE620AA}" v="21" dt="2021-08-03T03:58:41.105"/>
+    <p1510:client id="{A5240D3A-EC8A-4DEB-A2A3-7783ADE620AA}" v="22" dt="2021-08-03T19:37:00.140"/>
   </p1510:revLst>
 </p1510:revInfo>
 </file>
@@ -137,7 +137,7 @@
   <pc:docChgLst>
     <pc:chgData name="Alysia Dugan" userId="3f854e8c0cb2760f" providerId="LiveId" clId="{A5240D3A-EC8A-4DEB-A2A3-7783ADE620AA}"/>
     <pc:docChg chg="undo custSel addSld modSld">
-      <pc:chgData name="Alysia Dugan" userId="3f854e8c0cb2760f" providerId="LiveId" clId="{A5240D3A-EC8A-4DEB-A2A3-7783ADE620AA}" dt="2021-08-03T03:59:34.253" v="1032" actId="26606"/>
+      <pc:chgData name="Alysia Dugan" userId="3f854e8c0cb2760f" providerId="LiveId" clId="{A5240D3A-EC8A-4DEB-A2A3-7783ADE620AA}" dt="2021-08-03T22:16:03.214" v="1878" actId="20577"/>
       <pc:docMkLst>
         <pc:docMk/>
       </pc:docMkLst>
@@ -268,7 +268,7 @@
         </pc:spChg>
       </pc:sldChg>
       <pc:sldChg chg="addSp delSp modSp mod setBg">
-        <pc:chgData name="Alysia Dugan" userId="3f854e8c0cb2760f" providerId="LiveId" clId="{A5240D3A-EC8A-4DEB-A2A3-7783ADE620AA}" dt="2021-08-03T03:54:32.001" v="965" actId="26606"/>
+        <pc:chgData name="Alysia Dugan" userId="3f854e8c0cb2760f" providerId="LiveId" clId="{A5240D3A-EC8A-4DEB-A2A3-7783ADE620AA}" dt="2021-08-03T16:12:03.505" v="1033" actId="20577"/>
         <pc:sldMkLst>
           <pc:docMk/>
           <pc:sldMk cId="4014206684" sldId="258"/>
@@ -282,7 +282,7 @@
           </ac:spMkLst>
         </pc:spChg>
         <pc:spChg chg="mod">
-          <ac:chgData name="Alysia Dugan" userId="3f854e8c0cb2760f" providerId="LiveId" clId="{A5240D3A-EC8A-4DEB-A2A3-7783ADE620AA}" dt="2021-08-03T03:54:32.001" v="965" actId="26606"/>
+          <ac:chgData name="Alysia Dugan" userId="3f854e8c0cb2760f" providerId="LiveId" clId="{A5240D3A-EC8A-4DEB-A2A3-7783ADE620AA}" dt="2021-08-03T16:12:03.505" v="1033" actId="20577"/>
           <ac:spMkLst>
             <pc:docMk/>
             <pc:sldMk cId="4014206684" sldId="258"/>
@@ -687,7 +687,7 @@
         </pc:picChg>
       </pc:sldChg>
       <pc:sldChg chg="addSp modSp mod setBg">
-        <pc:chgData name="Alysia Dugan" userId="3f854e8c0cb2760f" providerId="LiveId" clId="{A5240D3A-EC8A-4DEB-A2A3-7783ADE620AA}" dt="2021-08-03T03:59:11.631" v="1029" actId="26606"/>
+        <pc:chgData name="Alysia Dugan" userId="3f854e8c0cb2760f" providerId="LiveId" clId="{A5240D3A-EC8A-4DEB-A2A3-7783ADE620AA}" dt="2021-08-03T19:28:45.107" v="1526" actId="27636"/>
         <pc:sldMkLst>
           <pc:docMk/>
           <pc:sldMk cId="2978968680" sldId="263"/>
@@ -701,7 +701,7 @@
           </ac:spMkLst>
         </pc:spChg>
         <pc:spChg chg="mod">
-          <ac:chgData name="Alysia Dugan" userId="3f854e8c0cb2760f" providerId="LiveId" clId="{A5240D3A-EC8A-4DEB-A2A3-7783ADE620AA}" dt="2021-08-03T03:59:11.631" v="1029" actId="26606"/>
+          <ac:chgData name="Alysia Dugan" userId="3f854e8c0cb2760f" providerId="LiveId" clId="{A5240D3A-EC8A-4DEB-A2A3-7783ADE620AA}" dt="2021-08-03T19:28:45.107" v="1526" actId="27636"/>
           <ac:spMkLst>
             <pc:docMk/>
             <pc:sldMk cId="2978968680" sldId="263"/>
@@ -734,7 +734,7 @@
         </pc:spChg>
       </pc:sldChg>
       <pc:sldChg chg="addSp delSp modSp mod setBg">
-        <pc:chgData name="Alysia Dugan" userId="3f854e8c0cb2760f" providerId="LiveId" clId="{A5240D3A-EC8A-4DEB-A2A3-7783ADE620AA}" dt="2021-08-03T03:59:34.253" v="1032" actId="26606"/>
+        <pc:chgData name="Alysia Dugan" userId="3f854e8c0cb2760f" providerId="LiveId" clId="{A5240D3A-EC8A-4DEB-A2A3-7783ADE620AA}" dt="2021-08-03T22:16:03.214" v="1878" actId="20577"/>
         <pc:sldMkLst>
           <pc:docMk/>
           <pc:sldMk cId="774230899" sldId="264"/>
@@ -827,8 +827,8 @@
             <ac:spMk id="23" creationId="{96918796-2918-40D6-BE3A-4600C47FCD42}"/>
           </ac:spMkLst>
         </pc:spChg>
-        <pc:spChg chg="add">
-          <ac:chgData name="Alysia Dugan" userId="3f854e8c0cb2760f" providerId="LiveId" clId="{A5240D3A-EC8A-4DEB-A2A3-7783ADE620AA}" dt="2021-08-03T03:59:34.253" v="1032" actId="26606"/>
+        <pc:spChg chg="add mod">
+          <ac:chgData name="Alysia Dugan" userId="3f854e8c0cb2760f" providerId="LiveId" clId="{A5240D3A-EC8A-4DEB-A2A3-7783ADE620AA}" dt="2021-08-03T22:16:03.214" v="1878" actId="20577"/>
           <ac:spMkLst>
             <pc:docMk/>
             <pc:sldMk cId="774230899" sldId="264"/>
@@ -851,8 +851,8 @@
             <ac:picMk id="9" creationId="{7BDB7762-48FB-48BF-9B01-35F35056CFEC}"/>
           </ac:picMkLst>
         </pc:picChg>
-        <pc:picChg chg="add">
-          <ac:chgData name="Alysia Dugan" userId="3f854e8c0cb2760f" providerId="LiveId" clId="{A5240D3A-EC8A-4DEB-A2A3-7783ADE620AA}" dt="2021-08-03T03:59:34.253" v="1032" actId="26606"/>
+        <pc:picChg chg="add mod">
+          <ac:chgData name="Alysia Dugan" userId="3f854e8c0cb2760f" providerId="LiveId" clId="{A5240D3A-EC8A-4DEB-A2A3-7783ADE620AA}" dt="2021-08-03T19:36:55.600" v="1635" actId="1076"/>
           <ac:picMkLst>
             <pc:docMk/>
             <pc:sldMk cId="774230899" sldId="264"/>
@@ -4006,7 +4006,7 @@
           <a:p>
             <a:fld id="{887C1A70-D119-4CC3-89F8-36AB915A4CCB}" type="datetimeFigureOut">
               <a:rPr lang="en-US" smtClean="0"/>
-              <a:t>8/2/2021</a:t>
+              <a:t>8/3/2021</a:t>
             </a:fld>
             <a:endParaRPr lang="en-US"/>
           </a:p>
@@ -4204,7 +4204,7 @@
           <a:p>
             <a:fld id="{887C1A70-D119-4CC3-89F8-36AB915A4CCB}" type="datetimeFigureOut">
               <a:rPr lang="en-US" smtClean="0"/>
-              <a:t>8/2/2021</a:t>
+              <a:t>8/3/2021</a:t>
             </a:fld>
             <a:endParaRPr lang="en-US"/>
           </a:p>
@@ -4412,7 +4412,7 @@
           <a:p>
             <a:fld id="{887C1A70-D119-4CC3-89F8-36AB915A4CCB}" type="datetimeFigureOut">
               <a:rPr lang="en-US" smtClean="0"/>
-              <a:t>8/2/2021</a:t>
+              <a:t>8/3/2021</a:t>
             </a:fld>
             <a:endParaRPr lang="en-US"/>
           </a:p>
@@ -4610,7 +4610,7 @@
           <a:p>
             <a:fld id="{887C1A70-D119-4CC3-89F8-36AB915A4CCB}" type="datetimeFigureOut">
               <a:rPr lang="en-US" smtClean="0"/>
-              <a:t>8/2/2021</a:t>
+              <a:t>8/3/2021</a:t>
             </a:fld>
             <a:endParaRPr lang="en-US"/>
           </a:p>
@@ -4885,7 +4885,7 @@
           <a:p>
             <a:fld id="{887C1A70-D119-4CC3-89F8-36AB915A4CCB}" type="datetimeFigureOut">
               <a:rPr lang="en-US" smtClean="0"/>
-              <a:t>8/2/2021</a:t>
+              <a:t>8/3/2021</a:t>
             </a:fld>
             <a:endParaRPr lang="en-US"/>
           </a:p>
@@ -5150,7 +5150,7 @@
           <a:p>
             <a:fld id="{887C1A70-D119-4CC3-89F8-36AB915A4CCB}" type="datetimeFigureOut">
               <a:rPr lang="en-US" smtClean="0"/>
-              <a:t>8/2/2021</a:t>
+              <a:t>8/3/2021</a:t>
             </a:fld>
             <a:endParaRPr lang="en-US"/>
           </a:p>
@@ -5562,7 +5562,7 @@
           <a:p>
             <a:fld id="{887C1A70-D119-4CC3-89F8-36AB915A4CCB}" type="datetimeFigureOut">
               <a:rPr lang="en-US" smtClean="0"/>
-              <a:t>8/2/2021</a:t>
+              <a:t>8/3/2021</a:t>
             </a:fld>
             <a:endParaRPr lang="en-US"/>
           </a:p>
@@ -5703,7 +5703,7 @@
           <a:p>
             <a:fld id="{887C1A70-D119-4CC3-89F8-36AB915A4CCB}" type="datetimeFigureOut">
               <a:rPr lang="en-US" smtClean="0"/>
-              <a:t>8/2/2021</a:t>
+              <a:t>8/3/2021</a:t>
             </a:fld>
             <a:endParaRPr lang="en-US"/>
           </a:p>
@@ -5816,7 +5816,7 @@
           <a:p>
             <a:fld id="{887C1A70-D119-4CC3-89F8-36AB915A4CCB}" type="datetimeFigureOut">
               <a:rPr lang="en-US" smtClean="0"/>
-              <a:t>8/2/2021</a:t>
+              <a:t>8/3/2021</a:t>
             </a:fld>
             <a:endParaRPr lang="en-US"/>
           </a:p>
@@ -6127,7 +6127,7 @@
           <a:p>
             <a:fld id="{887C1A70-D119-4CC3-89F8-36AB915A4CCB}" type="datetimeFigureOut">
               <a:rPr lang="en-US" smtClean="0"/>
-              <a:t>8/2/2021</a:t>
+              <a:t>8/3/2021</a:t>
             </a:fld>
             <a:endParaRPr lang="en-US"/>
           </a:p>
@@ -6415,7 +6415,7 @@
           <a:p>
             <a:fld id="{887C1A70-D119-4CC3-89F8-36AB915A4CCB}" type="datetimeFigureOut">
               <a:rPr lang="en-US" smtClean="0"/>
-              <a:t>8/2/2021</a:t>
+              <a:t>8/3/2021</a:t>
             </a:fld>
             <a:endParaRPr lang="en-US"/>
           </a:p>
@@ -6656,7 +6656,7 @@
           <a:p>
             <a:fld id="{887C1A70-D119-4CC3-89F8-36AB915A4CCB}" type="datetimeFigureOut">
               <a:rPr lang="en-US" smtClean="0"/>
-              <a:t>8/2/2021</a:t>
+              <a:t>8/3/2021</a:t>
             </a:fld>
             <a:endParaRPr lang="en-US"/>
           </a:p>
@@ -9444,7 +9444,33 @@
           <a:p>
             <a:r>
               <a:rPr lang="en-US" sz="2400" dirty="0"/>
-              <a:t>Discuss your findings. Did you find what you expected to find? If not, why not? What inferences or general conclusions can you draw from your analysis?</a:t>
+              <a:t>Correlation scatterplot shows that instances of disease are higher in lower income states</a:t>
+            </a:r>
+          </a:p>
+          <a:p>
+            <a:r>
+              <a:rPr lang="en-US" sz="2400" dirty="0"/>
+              <a:t>Average income at which cases start to drop off was higher than expected</a:t>
+            </a:r>
+          </a:p>
+          <a:p>
+            <a:r>
+              <a:rPr lang="en-US" sz="2400" dirty="0"/>
+              <a:t>Lower income is associated with many contributing factors to higher rates of disease, including:</a:t>
+            </a:r>
+          </a:p>
+          <a:p>
+            <a:pPr lvl="1"/>
+            <a:r>
+              <a:rPr lang="en-US" sz="2000" dirty="0"/>
+              <a:t>Lack of access to care and affordable health insurance</a:t>
+            </a:r>
+          </a:p>
+          <a:p>
+            <a:pPr lvl="1"/>
+            <a:r>
+              <a:rPr lang="en-US" sz="2000" dirty="0"/>
+              <a:t>Lower quality education, both from underfunded schools and an inability to afford higher education</a:t>
             </a:r>
           </a:p>
         </p:txBody>
@@ -9638,7 +9664,7 @@
         <p:spPr bwMode="auto">
           <a:xfrm>
             <a:off x="1428750" y="1597390"/>
-            <a:ext cx="9334500" cy="870305"/>
+            <a:ext cx="9334500" cy="1831610"/>
           </a:xfrm>
           <a:prstGeom prst="rect">
             <a:avLst/>
@@ -9691,16 +9717,19 @@
               <a:buClrTx/>
               <a:buSzTx/>
               <a:buFontTx/>
-              <a:buNone/>
+              <a:buChar char="•"/>
               <a:tabLst/>
             </a:pPr>
-            <a:endParaRPr kumimoji="0" lang="en-US" altLang="en-US" sz="1100" b="0" i="0" u="none" strike="noStrike" cap="none" normalizeH="0" baseline="0">
-              <a:ln>
-                <a:noFill/>
-              </a:ln>
-              <a:effectLst/>
-              <a:latin typeface="Arial" panose="020B0604020202020204" pitchFamily="34" charset="0"/>
-            </a:endParaRPr>
+            <a:r>
+              <a:rPr kumimoji="0" lang="en-US" altLang="en-US" sz="1400" b="0" i="0" u="none" strike="noStrike" cap="none" normalizeH="0" baseline="0" dirty="0">
+                <a:ln>
+                  <a:noFill/>
+                </a:ln>
+                <a:effectLst/>
+                <a:latin typeface="Arial" panose="020B0604020202020204" pitchFamily="34" charset="0"/>
+              </a:rPr>
+              <a:t>When did the other diseases get eliminated or drop so low that they stopped being reported?</a:t>
+            </a:r>
           </a:p>
           <a:p>
             <a:pPr marL="0" marR="0" lvl="0" indent="0" algn="ctr" defTabSz="914400" rtl="0" eaLnBrk="0" fontAlgn="base" latinLnBrk="0" hangingPunct="0">
@@ -9717,14 +9746,10 @@
               <a:tabLst/>
             </a:pPr>
             <a:r>
-              <a:rPr kumimoji="0" lang="en-US" altLang="en-US" sz="1100" b="0" i="0" u="none" strike="noStrike" cap="none" normalizeH="0" baseline="0">
-                <a:ln>
-                  <a:noFill/>
-                </a:ln>
-                <a:effectLst/>
+              <a:rPr lang="en-US" altLang="en-US" sz="1400" dirty="0">
                 <a:latin typeface="Arial" panose="020B0604020202020204" pitchFamily="34" charset="0"/>
               </a:rPr>
-              <a:t>Discuss any difficulties that arose, and how you dealt with them </a:t>
+              <a:t>Is there a correlation between the states with the highest/lowest infection rates and the highest/lowest average income?</a:t>
             </a:r>
           </a:p>
           <a:p>
@@ -9742,15 +9767,28 @@
               <a:tabLst/>
             </a:pPr>
             <a:r>
-              <a:rPr kumimoji="0" lang="en-US" altLang="en-US" sz="1100" b="0" i="0" u="none" strike="noStrike" cap="none" normalizeH="0" baseline="0">
+              <a:rPr kumimoji="0" lang="en-US" altLang="en-US" sz="1400" b="0" i="0" u="none" strike="noStrike" cap="none" normalizeH="0" baseline="0" dirty="0">
                 <a:ln>
                   <a:noFill/>
                 </a:ln>
                 <a:effectLst/>
                 <a:latin typeface="Arial" panose="020B0604020202020204" pitchFamily="34" charset="0"/>
               </a:rPr>
-              <a:t>Discuss any additional questions that came up, but which you didn't have time to answer: What would you research next, if you had two more weeks? </a:t>
+              <a:t>What other contributing factors </a:t>
             </a:r>
+            <a:r>
+              <a:rPr lang="en-US" altLang="en-US" sz="1400" dirty="0">
+                <a:latin typeface="Arial" panose="020B0604020202020204" pitchFamily="34" charset="0"/>
+              </a:rPr>
+              <a:t>could be added to the analysis? Religion? Climate? Population density?</a:t>
+            </a:r>
+            <a:endParaRPr kumimoji="0" lang="en-US" altLang="en-US" sz="1400" b="0" i="0" u="none" strike="noStrike" cap="none" normalizeH="0" baseline="0" dirty="0">
+              <a:ln>
+                <a:noFill/>
+              </a:ln>
+              <a:effectLst/>
+              <a:latin typeface="Arial" panose="020B0604020202020204" pitchFamily="34" charset="0"/>
+            </a:endParaRPr>
           </a:p>
         </p:txBody>
       </p:sp>
@@ -9785,7 +9823,7 @@
         </p:blipFill>
         <p:spPr>
           <a:xfrm>
-            <a:off x="4693920" y="2820128"/>
+            <a:off x="4693920" y="3721276"/>
             <a:ext cx="2804160" cy="2804160"/>
           </a:xfrm>
           <a:prstGeom prst="rect">
@@ -10583,7 +10621,7 @@
           <a:lstStyle/>
           <a:p>
             <a:r>
-              <a:rPr lang="en-US" sz="5400"/>
+              <a:rPr lang="en-US" sz="5400" dirty="0"/>
               <a:t>Data Used</a:t>
             </a:r>
           </a:p>
@@ -11870,49 +11908,49 @@
           <a:lstStyle/>
           <a:p>
             <a:r>
-              <a:rPr lang="en-US" sz="2200"/>
+              <a:rPr lang="en-US" sz="2200" dirty="0"/>
               <a:t>Two main areas where data was needed:</a:t>
             </a:r>
           </a:p>
           <a:p>
             <a:pPr lvl="1"/>
             <a:r>
-              <a:rPr lang="en-US" sz="2200"/>
+              <a:rPr lang="en-US" sz="2200" dirty="0"/>
               <a:t>Income </a:t>
             </a:r>
           </a:p>
           <a:p>
             <a:pPr lvl="2"/>
             <a:r>
-              <a:rPr lang="en-US" sz="2200"/>
+              <a:rPr lang="en-US" sz="2200" dirty="0"/>
               <a:t>US Census American Community Survey – 1 Year</a:t>
             </a:r>
           </a:p>
           <a:p>
             <a:pPr lvl="2"/>
             <a:r>
-              <a:rPr lang="en-US" sz="2200"/>
+              <a:rPr lang="en-US" sz="2200" dirty="0"/>
               <a:t>https://api.census.gov/data/{year}/acs/acs1?get=NAME,group(B01001)&amp;for=us:1</a:t>
             </a:r>
           </a:p>
           <a:p>
             <a:pPr lvl="1"/>
             <a:r>
-              <a:rPr lang="en-US" sz="2200"/>
-              <a:t>Disease rates</a:t>
+              <a:rPr lang="en-US" sz="2200" dirty="0"/>
+              <a:t>Disease</a:t>
             </a:r>
           </a:p>
           <a:p>
             <a:pPr lvl="2"/>
             <a:r>
-              <a:rPr lang="en-US" sz="2200"/>
+              <a:rPr lang="en-US" sz="2200" dirty="0"/>
               <a:t>HealthData.gov – parsed by David Roberts on Kaggle</a:t>
             </a:r>
           </a:p>
           <a:p>
             <a:pPr lvl="2"/>
             <a:r>
-              <a:rPr lang="en-US" sz="2200"/>
+              <a:rPr lang="en-US" sz="2200" dirty="0"/>
               <a:t>https://www.kaggle.com/davidbroberts/diseases-in-the-us-1916-to-2011 </a:t>
             </a:r>
           </a:p>

--- a/Effects of Income Level on Disease Rates.pptx
+++ b/Effects of Income Level on Disease Rates.pptx
@@ -127,7 +127,7 @@
 <file path=ppt/revisionInfo.xml><?xml version="1.0" encoding="utf-8"?>
 <p1510:revInfo xmlns:a="http://schemas.openxmlformats.org/drawingml/2006/main" xmlns:r="http://schemas.openxmlformats.org/officeDocument/2006/relationships" xmlns:p1510="http://schemas.microsoft.com/office/powerpoint/2015/10/main">
   <p1510:revLst>
-    <p1510:client id="{A5240D3A-EC8A-4DEB-A2A3-7783ADE620AA}" v="22" dt="2021-08-03T19:37:00.140"/>
+    <p1510:client id="{A5240D3A-EC8A-4DEB-A2A3-7783ADE620AA}" v="38" dt="2021-08-03T23:37:06.518"/>
   </p1510:revLst>
 </p1510:revInfo>
 </file>
@@ -137,7 +137,7 @@
   <pc:docChgLst>
     <pc:chgData name="Alysia Dugan" userId="3f854e8c0cb2760f" providerId="LiveId" clId="{A5240D3A-EC8A-4DEB-A2A3-7783ADE620AA}"/>
     <pc:docChg chg="undo custSel addSld modSld">
-      <pc:chgData name="Alysia Dugan" userId="3f854e8c0cb2760f" providerId="LiveId" clId="{A5240D3A-EC8A-4DEB-A2A3-7783ADE620AA}" dt="2021-08-03T22:16:03.214" v="1878" actId="20577"/>
+      <pc:chgData name="Alysia Dugan" userId="3f854e8c0cb2760f" providerId="LiveId" clId="{A5240D3A-EC8A-4DEB-A2A3-7783ADE620AA}" dt="2021-08-03T23:37:06.518" v="1974" actId="1076"/>
       <pc:docMkLst>
         <pc:docMk/>
       </pc:docMkLst>
@@ -221,7 +221,7 @@
         </pc:grpChg>
       </pc:sldChg>
       <pc:sldChg chg="addSp modSp mod setBg">
-        <pc:chgData name="Alysia Dugan" userId="3f854e8c0cb2760f" providerId="LiveId" clId="{A5240D3A-EC8A-4DEB-A2A3-7783ADE620AA}" dt="2021-08-03T03:30:23.287" v="528" actId="255"/>
+        <pc:chgData name="Alysia Dugan" userId="3f854e8c0cb2760f" providerId="LiveId" clId="{A5240D3A-EC8A-4DEB-A2A3-7783ADE620AA}" dt="2021-08-03T23:19:37.475" v="1879" actId="20577"/>
         <pc:sldMkLst>
           <pc:docMk/>
           <pc:sldMk cId="3056438002" sldId="257"/>
@@ -235,7 +235,7 @@
           </ac:spMkLst>
         </pc:spChg>
         <pc:spChg chg="mod">
-          <ac:chgData name="Alysia Dugan" userId="3f854e8c0cb2760f" providerId="LiveId" clId="{A5240D3A-EC8A-4DEB-A2A3-7783ADE620AA}" dt="2021-08-03T03:30:23.287" v="528" actId="255"/>
+          <ac:chgData name="Alysia Dugan" userId="3f854e8c0cb2760f" providerId="LiveId" clId="{A5240D3A-EC8A-4DEB-A2A3-7783ADE620AA}" dt="2021-08-03T23:19:37.475" v="1879" actId="20577"/>
           <ac:spMkLst>
             <pc:docMk/>
             <pc:sldMk cId="3056438002" sldId="257"/>
@@ -648,7 +648,7 @@
         </pc:picChg>
       </pc:sldChg>
       <pc:sldChg chg="addSp delSp modSp mod setBg">
-        <pc:chgData name="Alysia Dugan" userId="3f854e8c0cb2760f" providerId="LiveId" clId="{A5240D3A-EC8A-4DEB-A2A3-7783ADE620AA}" dt="2021-08-03T03:24:49.466" v="79" actId="14100"/>
+        <pc:chgData name="Alysia Dugan" userId="3f854e8c0cb2760f" providerId="LiveId" clId="{A5240D3A-EC8A-4DEB-A2A3-7783ADE620AA}" dt="2021-08-03T23:35:14.638" v="1959" actId="1076"/>
         <pc:sldMkLst>
           <pc:docMk/>
           <pc:sldMk cId="3274203293" sldId="262"/>
@@ -667,6 +667,22 @@
             <pc:docMk/>
             <pc:sldMk cId="3274203293" sldId="262"/>
             <ac:spMk id="3" creationId="{50DF7109-53DB-4EBE-861C-38AC3059F6CB}"/>
+          </ac:spMkLst>
+        </pc:spChg>
+        <pc:spChg chg="add del mod">
+          <ac:chgData name="Alysia Dugan" userId="3f854e8c0cb2760f" providerId="LiveId" clId="{A5240D3A-EC8A-4DEB-A2A3-7783ADE620AA}" dt="2021-08-03T23:34:59.097" v="1957"/>
+          <ac:spMkLst>
+            <pc:docMk/>
+            <pc:sldMk cId="3274203293" sldId="262"/>
+            <ac:spMk id="3" creationId="{7A7F0F69-29A5-44DE-BA82-8D75C76F7D4A}"/>
+          </ac:spMkLst>
+        </pc:spChg>
+        <pc:spChg chg="add mod">
+          <ac:chgData name="Alysia Dugan" userId="3f854e8c0cb2760f" providerId="LiveId" clId="{A5240D3A-EC8A-4DEB-A2A3-7783ADE620AA}" dt="2021-08-03T23:35:14.638" v="1959" actId="1076"/>
+          <ac:spMkLst>
+            <pc:docMk/>
+            <pc:sldMk cId="3274203293" sldId="262"/>
+            <ac:spMk id="4" creationId="{0ECF556E-3058-466E-8550-819FA0A3DE55}"/>
           </ac:spMkLst>
         </pc:spChg>
         <pc:spChg chg="add">
@@ -734,7 +750,7 @@
         </pc:spChg>
       </pc:sldChg>
       <pc:sldChg chg="addSp delSp modSp mod setBg">
-        <pc:chgData name="Alysia Dugan" userId="3f854e8c0cb2760f" providerId="LiveId" clId="{A5240D3A-EC8A-4DEB-A2A3-7783ADE620AA}" dt="2021-08-03T22:16:03.214" v="1878" actId="20577"/>
+        <pc:chgData name="Alysia Dugan" userId="3f854e8c0cb2760f" providerId="LiveId" clId="{A5240D3A-EC8A-4DEB-A2A3-7783ADE620AA}" dt="2021-08-03T23:28:34.651" v="1952" actId="20577"/>
         <pc:sldMkLst>
           <pc:docMk/>
           <pc:sldMk cId="774230899" sldId="264"/>
@@ -828,7 +844,7 @@
           </ac:spMkLst>
         </pc:spChg>
         <pc:spChg chg="add mod">
-          <ac:chgData name="Alysia Dugan" userId="3f854e8c0cb2760f" providerId="LiveId" clId="{A5240D3A-EC8A-4DEB-A2A3-7783ADE620AA}" dt="2021-08-03T22:16:03.214" v="1878" actId="20577"/>
+          <ac:chgData name="Alysia Dugan" userId="3f854e8c0cb2760f" providerId="LiveId" clId="{A5240D3A-EC8A-4DEB-A2A3-7783ADE620AA}" dt="2021-08-03T23:28:34.651" v="1952" actId="20577"/>
           <ac:spMkLst>
             <pc:docMk/>
             <pc:sldMk cId="774230899" sldId="264"/>
@@ -900,7 +916,7 @@
         </pc:picChg>
       </pc:sldChg>
       <pc:sldChg chg="addSp delSp modSp new mod setBg">
-        <pc:chgData name="Alysia Dugan" userId="3f854e8c0cb2760f" providerId="LiveId" clId="{A5240D3A-EC8A-4DEB-A2A3-7783ADE620AA}" dt="2021-08-03T03:25:49.134" v="150" actId="14100"/>
+        <pc:chgData name="Alysia Dugan" userId="3f854e8c0cb2760f" providerId="LiveId" clId="{A5240D3A-EC8A-4DEB-A2A3-7783ADE620AA}" dt="2021-08-03T23:37:06.518" v="1974" actId="1076"/>
         <pc:sldMkLst>
           <pc:docMk/>
           <pc:sldMk cId="2512043746" sldId="266"/>
@@ -921,6 +937,22 @@
             <ac:spMk id="3" creationId="{1C0E5DE7-B689-4B72-8D38-73C2D1DAEC35}"/>
           </ac:spMkLst>
         </pc:spChg>
+        <pc:spChg chg="add del mod">
+          <ac:chgData name="Alysia Dugan" userId="3f854e8c0cb2760f" providerId="LiveId" clId="{A5240D3A-EC8A-4DEB-A2A3-7783ADE620AA}" dt="2021-08-03T23:35:49.204" v="1963"/>
+          <ac:spMkLst>
+            <pc:docMk/>
+            <pc:sldMk cId="2512043746" sldId="266"/>
+            <ac:spMk id="3" creationId="{D1079426-8EB8-4E97-8C02-DA67641A5B05}"/>
+          </ac:spMkLst>
+        </pc:spChg>
+        <pc:spChg chg="add mod">
+          <ac:chgData name="Alysia Dugan" userId="3f854e8c0cb2760f" providerId="LiveId" clId="{A5240D3A-EC8A-4DEB-A2A3-7783ADE620AA}" dt="2021-08-03T23:37:06.518" v="1974" actId="1076"/>
+          <ac:spMkLst>
+            <pc:docMk/>
+            <pc:sldMk cId="2512043746" sldId="266"/>
+            <ac:spMk id="4" creationId="{AC8BFB8A-7BD0-4673-A52D-ABC7A0B8BFBC}"/>
+          </ac:spMkLst>
+        </pc:spChg>
         <pc:spChg chg="add">
           <ac:chgData name="Alysia Dugan" userId="3f854e8c0cb2760f" providerId="LiveId" clId="{A5240D3A-EC8A-4DEB-A2A3-7783ADE620AA}" dt="2021-08-03T03:25:45.507" v="149" actId="26606"/>
           <ac:spMkLst>
@@ -930,7 +962,7 @@
           </ac:spMkLst>
         </pc:spChg>
         <pc:picChg chg="add mod">
-          <ac:chgData name="Alysia Dugan" userId="3f854e8c0cb2760f" providerId="LiveId" clId="{A5240D3A-EC8A-4DEB-A2A3-7783ADE620AA}" dt="2021-08-03T03:25:49.134" v="150" actId="14100"/>
+          <ac:chgData name="Alysia Dugan" userId="3f854e8c0cb2760f" providerId="LiveId" clId="{A5240D3A-EC8A-4DEB-A2A3-7783ADE620AA}" dt="2021-08-03T23:36:36.352" v="1971" actId="14100"/>
           <ac:picMkLst>
             <pc:docMk/>
             <pc:sldMk cId="2512043746" sldId="266"/>
@@ -939,7 +971,7 @@
         </pc:picChg>
       </pc:sldChg>
       <pc:sldChg chg="addSp delSp modSp new mod setBg">
-        <pc:chgData name="Alysia Dugan" userId="3f854e8c0cb2760f" providerId="LiveId" clId="{A5240D3A-EC8A-4DEB-A2A3-7783ADE620AA}" dt="2021-08-03T03:26:31.206" v="182" actId="14100"/>
+        <pc:chgData name="Alysia Dugan" userId="3f854e8c0cb2760f" providerId="LiveId" clId="{A5240D3A-EC8A-4DEB-A2A3-7783ADE620AA}" dt="2021-08-03T23:36:26.504" v="1970" actId="1076"/>
         <pc:sldMkLst>
           <pc:docMk/>
           <pc:sldMk cId="263170430" sldId="267"/>
@@ -952,12 +984,36 @@
             <ac:spMk id="2" creationId="{725AE383-668D-43EB-93ED-8C4F2DB76F3C}"/>
           </ac:spMkLst>
         </pc:spChg>
+        <pc:spChg chg="add del mod">
+          <ac:chgData name="Alysia Dugan" userId="3f854e8c0cb2760f" providerId="LiveId" clId="{A5240D3A-EC8A-4DEB-A2A3-7783ADE620AA}" dt="2021-08-03T23:36:11.137" v="1967" actId="478"/>
+          <ac:spMkLst>
+            <pc:docMk/>
+            <pc:sldMk cId="263170430" sldId="267"/>
+            <ac:spMk id="3" creationId="{58C668C6-06B1-4D17-952F-659AE594EE63}"/>
+          </ac:spMkLst>
+        </pc:spChg>
         <pc:spChg chg="del">
           <ac:chgData name="Alysia Dugan" userId="3f854e8c0cb2760f" providerId="LiveId" clId="{A5240D3A-EC8A-4DEB-A2A3-7783ADE620AA}" dt="2021-08-03T03:26:19.733" v="179"/>
           <ac:spMkLst>
             <pc:docMk/>
             <pc:sldMk cId="263170430" sldId="267"/>
             <ac:spMk id="3" creationId="{D9BD2AAA-F873-4F9F-ACCC-C384D1C9A7FB}"/>
+          </ac:spMkLst>
+        </pc:spChg>
+        <pc:spChg chg="add del">
+          <ac:chgData name="Alysia Dugan" userId="3f854e8c0cb2760f" providerId="LiveId" clId="{A5240D3A-EC8A-4DEB-A2A3-7783ADE620AA}" dt="2021-08-03T23:36:11.137" v="1967" actId="478"/>
+          <ac:spMkLst>
+            <pc:docMk/>
+            <pc:sldMk cId="263170430" sldId="267"/>
+            <ac:spMk id="4" creationId="{9CDD304E-338D-43BD-A99F-07E8E03E85D0}"/>
+          </ac:spMkLst>
+        </pc:spChg>
+        <pc:spChg chg="add mod">
+          <ac:chgData name="Alysia Dugan" userId="3f854e8c0cb2760f" providerId="LiveId" clId="{A5240D3A-EC8A-4DEB-A2A3-7783ADE620AA}" dt="2021-08-03T23:36:26.504" v="1970" actId="1076"/>
+          <ac:spMkLst>
+            <pc:docMk/>
+            <pc:sldMk cId="263170430" sldId="267"/>
+            <ac:spMk id="5" creationId="{15FF4AF1-D13D-4548-912E-B5202C9029CE}"/>
           </ac:spMkLst>
         </pc:spChg>
         <pc:spChg chg="add">
@@ -8806,7 +8862,7 @@
         <p:spPr bwMode="auto">
           <a:xfrm>
             <a:off x="1959430" y="1675227"/>
-            <a:ext cx="7258348" cy="5108408"/>
+            <a:ext cx="7258348" cy="4778582"/>
           </a:xfrm>
           <a:prstGeom prst="rect">
             <a:avLst/>
@@ -8823,6 +8879,140 @@
           </a:extLst>
         </p:spPr>
       </p:pic>
+      <p:sp>
+        <p:nvSpPr>
+          <p:cNvPr id="4" name="Rectangle 1">
+            <a:extLst>
+              <a:ext uri="{FF2B5EF4-FFF2-40B4-BE49-F238E27FC236}">
+                <a16:creationId xmlns:a16="http://schemas.microsoft.com/office/drawing/2014/main" id="{AC8BFB8A-7BD0-4673-A52D-ABC7A0B8BFBC}"/>
+              </a:ext>
+            </a:extLst>
+          </p:cNvPr>
+          <p:cNvSpPr>
+            <a:spLocks noChangeArrowheads="1"/>
+          </p:cNvSpPr>
+          <p:nvPr/>
+        </p:nvSpPr>
+        <p:spPr bwMode="auto">
+          <a:xfrm>
+            <a:off x="4651513" y="6493566"/>
+            <a:ext cx="6612835" cy="523220"/>
+          </a:xfrm>
+          <a:prstGeom prst="rect">
+            <a:avLst/>
+          </a:prstGeom>
+          <a:noFill/>
+          <a:ln>
+            <a:noFill/>
+          </a:ln>
+          <a:effectLst/>
+          <a:extLst>
+            <a:ext uri="{909E8E84-426E-40DD-AFC4-6F175D3DCCD1}">
+              <a14:hiddenFill xmlns:a14="http://schemas.microsoft.com/office/drawing/2010/main">
+                <a:solidFill>
+                  <a:schemeClr val="accent1"/>
+                </a:solidFill>
+              </a14:hiddenFill>
+            </a:ext>
+            <a:ext uri="{91240B29-F687-4F45-9708-019B960494DF}">
+              <a14:hiddenLine xmlns:a14="http://schemas.microsoft.com/office/drawing/2010/main" w="9525">
+                <a:solidFill>
+                  <a:schemeClr val="tx1"/>
+                </a:solidFill>
+                <a:miter lim="800000"/>
+                <a:headEnd/>
+                <a:tailEnd/>
+              </a14:hiddenLine>
+            </a:ext>
+            <a:ext uri="{AF507438-7753-43E0-B8FC-AC1667EBCBE1}">
+              <a14:hiddenEffects xmlns:a14="http://schemas.microsoft.com/office/drawing/2010/main">
+                <a:effectLst>
+                  <a:outerShdw dist="35921" dir="2700000" algn="ctr" rotWithShape="0">
+                    <a:schemeClr val="bg2"/>
+                  </a:outerShdw>
+                </a:effectLst>
+              </a14:hiddenEffects>
+            </a:ext>
+          </a:extLst>
+        </p:spPr>
+        <p:txBody>
+          <a:bodyPr vert="horz" wrap="square" lIns="91440" tIns="45720" rIns="91440" bIns="45720" numCol="1" anchor="ctr" anchorCtr="0" compatLnSpc="1">
+            <a:prstTxWarp prst="textNoShape">
+              <a:avLst/>
+            </a:prstTxWarp>
+            <a:spAutoFit/>
+          </a:bodyPr>
+          <a:lstStyle/>
+          <a:p>
+            <a:pPr marL="0" marR="0" lvl="0" indent="0" algn="l" defTabSz="914400" rtl="0" eaLnBrk="0" fontAlgn="base" latinLnBrk="0" hangingPunct="0">
+              <a:lnSpc>
+                <a:spcPct val="100000"/>
+              </a:lnSpc>
+              <a:spcBef>
+                <a:spcPct val="0"/>
+              </a:spcBef>
+              <a:spcAft>
+                <a:spcPct val="0"/>
+              </a:spcAft>
+              <a:buClrTx/>
+              <a:buSzTx/>
+              <a:buFontTx/>
+              <a:buNone/>
+              <a:tabLst/>
+            </a:pPr>
+            <a:r>
+              <a:rPr kumimoji="0" lang="en-US" altLang="en-US" sz="1000" b="0" i="0" u="none" strike="noStrike" cap="none" normalizeH="0" baseline="0">
+                <a:ln>
+                  <a:noFill/>
+                </a:ln>
+                <a:solidFill>
+                  <a:schemeClr val="tx1"/>
+                </a:solidFill>
+                <a:effectLst/>
+                <a:latin typeface="Arial Unicode MS"/>
+              </a:rPr>
+              <a:t>The correlation between both factors is 0.08 </a:t>
+            </a:r>
+            <a:endParaRPr kumimoji="0" lang="en-US" altLang="en-US" sz="1100" b="0" i="0" u="none" strike="noStrike" cap="none" normalizeH="0" baseline="0">
+              <a:ln>
+                <a:noFill/>
+              </a:ln>
+              <a:solidFill>
+                <a:schemeClr val="tx1"/>
+              </a:solidFill>
+              <a:effectLst/>
+            </a:endParaRPr>
+          </a:p>
+          <a:p>
+            <a:pPr marL="0" marR="0" lvl="0" indent="0" algn="l" defTabSz="914400" rtl="0" eaLnBrk="0" fontAlgn="base" latinLnBrk="0" hangingPunct="0">
+              <a:lnSpc>
+                <a:spcPct val="100000"/>
+              </a:lnSpc>
+              <a:spcBef>
+                <a:spcPct val="0"/>
+              </a:spcBef>
+              <a:spcAft>
+                <a:spcPct val="0"/>
+              </a:spcAft>
+              <a:buClrTx/>
+              <a:buSzTx/>
+              <a:buFontTx/>
+              <a:buNone/>
+              <a:tabLst/>
+            </a:pPr>
+            <a:endParaRPr kumimoji="0" lang="en-US" altLang="en-US" sz="1800" b="0" i="0" u="none" strike="noStrike" cap="none" normalizeH="0" baseline="0">
+              <a:ln>
+                <a:noFill/>
+              </a:ln>
+              <a:solidFill>
+                <a:schemeClr val="tx1"/>
+              </a:solidFill>
+              <a:effectLst/>
+              <a:latin typeface="Arial" panose="020B0604020202020204" pitchFamily="34" charset="0"/>
+            </a:endParaRPr>
+          </a:p>
+        </p:txBody>
+      </p:sp>
     </p:spTree>
     <p:extLst>
       <p:ext uri="{BB962C8B-B14F-4D97-AF65-F5344CB8AC3E}">
@@ -9015,6 +9205,125 @@
           </a:extLst>
         </p:spPr>
       </p:pic>
+      <p:sp>
+        <p:nvSpPr>
+          <p:cNvPr id="5" name="Rectangle 2">
+            <a:extLst>
+              <a:ext uri="{FF2B5EF4-FFF2-40B4-BE49-F238E27FC236}">
+                <a16:creationId xmlns:a16="http://schemas.microsoft.com/office/drawing/2014/main" id="{15FF4AF1-D13D-4548-912E-B5202C9029CE}"/>
+              </a:ext>
+            </a:extLst>
+          </p:cNvPr>
+          <p:cNvSpPr>
+            <a:spLocks noChangeArrowheads="1"/>
+          </p:cNvSpPr>
+          <p:nvPr/>
+        </p:nvSpPr>
+        <p:spPr bwMode="auto">
+          <a:xfrm>
+            <a:off x="4876800" y="6585771"/>
+            <a:ext cx="5194852" cy="261610"/>
+          </a:xfrm>
+          <a:prstGeom prst="rect">
+            <a:avLst/>
+          </a:prstGeom>
+          <a:noFill/>
+          <a:ln>
+            <a:noFill/>
+          </a:ln>
+          <a:effectLst/>
+          <a:extLst>
+            <a:ext uri="{909E8E84-426E-40DD-AFC4-6F175D3DCCD1}">
+              <a14:hiddenFill xmlns:a14="http://schemas.microsoft.com/office/drawing/2010/main">
+                <a:solidFill>
+                  <a:schemeClr val="accent1"/>
+                </a:solidFill>
+              </a14:hiddenFill>
+            </a:ext>
+            <a:ext uri="{91240B29-F687-4F45-9708-019B960494DF}">
+              <a14:hiddenLine xmlns:a14="http://schemas.microsoft.com/office/drawing/2010/main" w="9525">
+                <a:solidFill>
+                  <a:schemeClr val="tx1"/>
+                </a:solidFill>
+                <a:miter lim="800000"/>
+                <a:headEnd/>
+                <a:tailEnd/>
+              </a14:hiddenLine>
+            </a:ext>
+            <a:ext uri="{AF507438-7753-43E0-B8FC-AC1667EBCBE1}">
+              <a14:hiddenEffects xmlns:a14="http://schemas.microsoft.com/office/drawing/2010/main">
+                <a:effectLst>
+                  <a:outerShdw dist="35921" dir="2700000" algn="ctr" rotWithShape="0">
+                    <a:schemeClr val="bg2"/>
+                  </a:outerShdw>
+                </a:effectLst>
+              </a14:hiddenEffects>
+            </a:ext>
+          </a:extLst>
+        </p:spPr>
+        <p:txBody>
+          <a:bodyPr vert="horz" wrap="square" lIns="91440" tIns="45720" rIns="91440" bIns="45720" numCol="1" anchor="ctr" anchorCtr="0" compatLnSpc="1">
+            <a:prstTxWarp prst="textNoShape">
+              <a:avLst/>
+            </a:prstTxWarp>
+            <a:spAutoFit/>
+          </a:bodyPr>
+          <a:lstStyle/>
+          <a:p>
+            <a:pPr marL="0" marR="0" lvl="0" indent="0" algn="l" defTabSz="914400" rtl="0" eaLnBrk="0" fontAlgn="base" latinLnBrk="0" hangingPunct="0">
+              <a:lnSpc>
+                <a:spcPct val="100000"/>
+              </a:lnSpc>
+              <a:spcBef>
+                <a:spcPct val="0"/>
+              </a:spcBef>
+              <a:spcAft>
+                <a:spcPct val="0"/>
+              </a:spcAft>
+              <a:buClrTx/>
+              <a:buSzTx/>
+              <a:buFontTx/>
+              <a:buNone/>
+              <a:tabLst/>
+            </a:pPr>
+            <a:r>
+              <a:rPr kumimoji="0" lang="en-US" altLang="en-US" sz="1000" b="0" i="0" u="none" strike="noStrike" cap="none" normalizeH="0" baseline="0">
+                <a:ln>
+                  <a:noFill/>
+                </a:ln>
+                <a:solidFill>
+                  <a:schemeClr val="tx1"/>
+                </a:solidFill>
+                <a:effectLst/>
+                <a:latin typeface="Arial Unicode MS"/>
+              </a:rPr>
+              <a:t>The correlation between both factors is 0.02</a:t>
+            </a:r>
+            <a:r>
+              <a:rPr kumimoji="0" lang="en-US" altLang="en-US" sz="1100" b="0" i="0" u="none" strike="noStrike" cap="none" normalizeH="0" baseline="0">
+                <a:ln>
+                  <a:noFill/>
+                </a:ln>
+                <a:solidFill>
+                  <a:schemeClr val="tx1"/>
+                </a:solidFill>
+                <a:effectLst/>
+              </a:rPr>
+              <a:t> </a:t>
+            </a:r>
+            <a:endParaRPr kumimoji="0" lang="en-US" altLang="en-US" sz="1800" b="0" i="0" u="none" strike="noStrike" cap="none" normalizeH="0" baseline="0">
+              <a:ln>
+                <a:noFill/>
+              </a:ln>
+              <a:solidFill>
+                <a:schemeClr val="tx1"/>
+              </a:solidFill>
+              <a:effectLst/>
+              <a:latin typeface="Arial" panose="020B0604020202020204" pitchFamily="34" charset="0"/>
+            </a:endParaRPr>
+          </a:p>
+        </p:txBody>
+      </p:sp>
     </p:spTree>
     <p:extLst>
       <p:ext uri="{BB962C8B-B14F-4D97-AF65-F5344CB8AC3E}">
@@ -9750,6 +10059,27 @@
                 <a:latin typeface="Arial" panose="020B0604020202020204" pitchFamily="34" charset="0"/>
               </a:rPr>
               <a:t>Is there a correlation between the states with the highest/lowest infection rates and the highest/lowest average income?</a:t>
+            </a:r>
+          </a:p>
+          <a:p>
+            <a:pPr marL="0" marR="0" lvl="0" indent="0" algn="ctr" defTabSz="914400" rtl="0" eaLnBrk="0" fontAlgn="base" latinLnBrk="0" hangingPunct="0">
+              <a:spcBef>
+                <a:spcPct val="0"/>
+              </a:spcBef>
+              <a:spcAft>
+                <a:spcPts val="600"/>
+              </a:spcAft>
+              <a:buClrTx/>
+              <a:buSzTx/>
+              <a:buFontTx/>
+              <a:buChar char="•"/>
+              <a:tabLst/>
+            </a:pPr>
+            <a:r>
+              <a:rPr lang="en-US" altLang="en-US" sz="1400" dirty="0">
+                <a:latin typeface="Arial" panose="020B0604020202020204" pitchFamily="34" charset="0"/>
+              </a:rPr>
+              <a:t>Track changes over time – chart each year to see how it changes</a:t>
             </a:r>
           </a:p>
           <a:p>
@@ -10282,13 +10612,6 @@
             <a:r>
               <a:rPr lang="en-US" sz="1600" dirty="0"/>
               <a:t>How many reported cases of various diseases are there in each state?</a:t>
-            </a:r>
-          </a:p>
-          <a:p>
-            <a:pPr lvl="1"/>
-            <a:r>
-              <a:rPr lang="en-US" sz="2000" dirty="0"/>
-              <a:t>Is there overlap between the states with the highest/lowest infection rates and the highest/lowest average income?</a:t>
             </a:r>
           </a:p>
           <a:p>
@@ -15847,6 +16170,125 @@
           </a:extLst>
         </p:spPr>
       </p:pic>
+      <p:sp>
+        <p:nvSpPr>
+          <p:cNvPr id="4" name="Rectangle 1">
+            <a:extLst>
+              <a:ext uri="{FF2B5EF4-FFF2-40B4-BE49-F238E27FC236}">
+                <a16:creationId xmlns:a16="http://schemas.microsoft.com/office/drawing/2014/main" id="{0ECF556E-3058-466E-8550-819FA0A3DE55}"/>
+              </a:ext>
+            </a:extLst>
+          </p:cNvPr>
+          <p:cNvSpPr>
+            <a:spLocks noChangeArrowheads="1"/>
+          </p:cNvSpPr>
+          <p:nvPr/>
+        </p:nvSpPr>
+        <p:spPr bwMode="auto">
+          <a:xfrm>
+            <a:off x="4544704" y="6411600"/>
+            <a:ext cx="168193294" cy="261610"/>
+          </a:xfrm>
+          <a:prstGeom prst="rect">
+            <a:avLst/>
+          </a:prstGeom>
+          <a:noFill/>
+          <a:ln>
+            <a:noFill/>
+          </a:ln>
+          <a:effectLst/>
+          <a:extLst>
+            <a:ext uri="{909E8E84-426E-40DD-AFC4-6F175D3DCCD1}">
+              <a14:hiddenFill xmlns:a14="http://schemas.microsoft.com/office/drawing/2010/main">
+                <a:solidFill>
+                  <a:schemeClr val="accent1"/>
+                </a:solidFill>
+              </a14:hiddenFill>
+            </a:ext>
+            <a:ext uri="{91240B29-F687-4F45-9708-019B960494DF}">
+              <a14:hiddenLine xmlns:a14="http://schemas.microsoft.com/office/drawing/2010/main" w="9525">
+                <a:solidFill>
+                  <a:schemeClr val="tx1"/>
+                </a:solidFill>
+                <a:miter lim="800000"/>
+                <a:headEnd/>
+                <a:tailEnd/>
+              </a14:hiddenLine>
+            </a:ext>
+            <a:ext uri="{AF507438-7753-43E0-B8FC-AC1667EBCBE1}">
+              <a14:hiddenEffects xmlns:a14="http://schemas.microsoft.com/office/drawing/2010/main">
+                <a:effectLst>
+                  <a:outerShdw dist="35921" dir="2700000" algn="ctr" rotWithShape="0">
+                    <a:schemeClr val="bg2"/>
+                  </a:outerShdw>
+                </a:effectLst>
+              </a14:hiddenEffects>
+            </a:ext>
+          </a:extLst>
+        </p:spPr>
+        <p:txBody>
+          <a:bodyPr vert="horz" wrap="square" lIns="91440" tIns="45720" rIns="91440" bIns="45720" numCol="1" anchor="ctr" anchorCtr="0" compatLnSpc="1">
+            <a:prstTxWarp prst="textNoShape">
+              <a:avLst/>
+            </a:prstTxWarp>
+            <a:spAutoFit/>
+          </a:bodyPr>
+          <a:lstStyle/>
+          <a:p>
+            <a:pPr marL="0" marR="0" lvl="0" indent="0" algn="l" defTabSz="914400" rtl="0" eaLnBrk="0" fontAlgn="base" latinLnBrk="0" hangingPunct="0">
+              <a:lnSpc>
+                <a:spcPct val="100000"/>
+              </a:lnSpc>
+              <a:spcBef>
+                <a:spcPct val="0"/>
+              </a:spcBef>
+              <a:spcAft>
+                <a:spcPct val="0"/>
+              </a:spcAft>
+              <a:buClrTx/>
+              <a:buSzTx/>
+              <a:buFontTx/>
+              <a:buNone/>
+              <a:tabLst/>
+            </a:pPr>
+            <a:r>
+              <a:rPr kumimoji="0" lang="en-US" altLang="en-US" sz="1000" b="0" i="0" u="none" strike="noStrike" cap="none" normalizeH="0" baseline="0" dirty="0">
+                <a:ln>
+                  <a:noFill/>
+                </a:ln>
+                <a:solidFill>
+                  <a:schemeClr val="tx1"/>
+                </a:solidFill>
+                <a:effectLst/>
+                <a:latin typeface="Arial Unicode MS"/>
+              </a:rPr>
+              <a:t>The correlation between both factors is 0.05</a:t>
+            </a:r>
+            <a:r>
+              <a:rPr kumimoji="0" lang="en-US" altLang="en-US" sz="1100" b="0" i="0" u="none" strike="noStrike" cap="none" normalizeH="0" baseline="0" dirty="0">
+                <a:ln>
+                  <a:noFill/>
+                </a:ln>
+                <a:solidFill>
+                  <a:schemeClr val="tx1"/>
+                </a:solidFill>
+                <a:effectLst/>
+              </a:rPr>
+              <a:t> </a:t>
+            </a:r>
+            <a:endParaRPr kumimoji="0" lang="en-US" altLang="en-US" sz="1800" b="0" i="0" u="none" strike="noStrike" cap="none" normalizeH="0" baseline="0" dirty="0">
+              <a:ln>
+                <a:noFill/>
+              </a:ln>
+              <a:solidFill>
+                <a:schemeClr val="tx1"/>
+              </a:solidFill>
+              <a:effectLst/>
+              <a:latin typeface="Arial" panose="020B0604020202020204" pitchFamily="34" charset="0"/>
+            </a:endParaRPr>
+          </a:p>
+        </p:txBody>
+      </p:sp>
     </p:spTree>
     <p:extLst>
       <p:ext uri="{BB962C8B-B14F-4D97-AF65-F5344CB8AC3E}">
